--- a/report/DZ1933023_汤沁予.pptx
+++ b/report/DZ1933023_汤沁予.pptx
@@ -20662,7 +20662,6 @@
             </a:pPr>
             <a:r>
               <a:rPr lang="zh-CN" altLang="en-US" sz="4000" dirty="0">
-                <a:ln/>
                 <a:solidFill>
                   <a:schemeClr val="accent1"/>
                 </a:solidFill>
@@ -20677,7 +20676,6 @@
               <a:t>根据预处理方式</a:t>
             </a:r>
             <a:endParaRPr lang="zh-CN" altLang="en-US" sz="4000" dirty="0">
-              <a:ln/>
               <a:solidFill>
                 <a:schemeClr val="accent1"/>
               </a:solidFill>
@@ -20698,7 +20696,6 @@
             </a:pPr>
             <a:r>
               <a:rPr lang="zh-CN" altLang="en-US" sz="4000" dirty="0">
-                <a:ln/>
                 <a:solidFill>
                   <a:schemeClr val="accent1"/>
                 </a:solidFill>
@@ -20713,7 +20710,6 @@
               <a:t>分类</a:t>
             </a:r>
             <a:endParaRPr lang="zh-CN" altLang="en-US" sz="4000" dirty="0">
-              <a:ln/>
               <a:solidFill>
                 <a:schemeClr val="accent1"/>
               </a:solidFill>
@@ -23261,7 +23257,17 @@
                 <a:latin typeface="微软雅黑" panose="020B0503020204020204" pitchFamily="34" charset="-122"/>
                 <a:ea typeface="微软雅黑" panose="020B0503020204020204" pitchFamily="34" charset="-122"/>
               </a:rPr>
-              <a:t>引入深度学习方法</a:t>
+              <a:t>引入机器</a:t>
+            </a:r>
+            <a:r>
+              <a:rPr lang="zh-CN" altLang="en-US" sz="2800" b="1" dirty="0">
+                <a:solidFill>
+                  <a:schemeClr val="accent2"/>
+                </a:solidFill>
+                <a:latin typeface="微软雅黑" panose="020B0503020204020204" pitchFamily="34" charset="-122"/>
+                <a:ea typeface="微软雅黑" panose="020B0503020204020204" pitchFamily="34" charset="-122"/>
+              </a:rPr>
+              <a:t>学习方法</a:t>
             </a:r>
             <a:endParaRPr lang="zh-CN" altLang="en-US" sz="2800" b="1" dirty="0">
               <a:solidFill>
@@ -23570,9 +23576,9 @@
         <p:grpSpPr>
           <a:xfrm>
             <a:off x="6904355" y="2549525"/>
-            <a:ext cx="3116580" cy="3882390"/>
+            <a:ext cx="3116580" cy="3883025"/>
             <a:chOff x="9915" y="4111"/>
-            <a:chExt cx="4908" cy="6114"/>
+            <a:chExt cx="4908" cy="6115"/>
           </a:xfrm>
         </p:grpSpPr>
         <p:sp>
@@ -23607,7 +23613,20 @@
                   <a:latin typeface="微软雅黑" panose="020B0503020204020204" pitchFamily="34" charset="-122"/>
                   <a:ea typeface="微软雅黑" panose="020B0503020204020204" pitchFamily="34" charset="-122"/>
                 </a:rPr>
-                <a:t>将深度学习</a:t>
+                <a:t>将机器</a:t>
+              </a:r>
+              <a:r>
+                <a:rPr lang="zh-CN" altLang="en-US" sz="2400" b="1" dirty="0">
+                  <a:solidFill>
+                    <a:srgbClr val="000000">
+                      <a:lumMod val="85000"/>
+                      <a:lumOff val="15000"/>
+                    </a:srgbClr>
+                  </a:solidFill>
+                  <a:latin typeface="微软雅黑" panose="020B0503020204020204" pitchFamily="34" charset="-122"/>
+                  <a:ea typeface="微软雅黑" panose="020B0503020204020204" pitchFamily="34" charset="-122"/>
+                </a:rPr>
+                <a:t>学习</a:t>
               </a:r>
               <a:endParaRPr lang="zh-CN" altLang="en-US" sz="2400" b="1" dirty="0">
                 <a:solidFill>
